--- a/画图.pptx
+++ b/画图.pptx
@@ -262,7 +262,7 @@
           <a:p>
             <a:fld id="{7C7C9910-BA9F-46D2-B5AD-4ADB7D1CB308}" type="datetimeFigureOut">
               <a:rPr lang="zh-CN" altLang="en-US" smtClean="0"/>
-              <a:t>2025/7/19</a:t>
+              <a:t>2025/7/21</a:t>
             </a:fld>
             <a:endParaRPr lang="zh-CN" altLang="en-US"/>
           </a:p>
@@ -460,7 +460,7 @@
           <a:p>
             <a:fld id="{7C7C9910-BA9F-46D2-B5AD-4ADB7D1CB308}" type="datetimeFigureOut">
               <a:rPr lang="zh-CN" altLang="en-US" smtClean="0"/>
-              <a:t>2025/7/19</a:t>
+              <a:t>2025/7/21</a:t>
             </a:fld>
             <a:endParaRPr lang="zh-CN" altLang="en-US"/>
           </a:p>
@@ -668,7 +668,7 @@
           <a:p>
             <a:fld id="{7C7C9910-BA9F-46D2-B5AD-4ADB7D1CB308}" type="datetimeFigureOut">
               <a:rPr lang="zh-CN" altLang="en-US" smtClean="0"/>
-              <a:t>2025/7/19</a:t>
+              <a:t>2025/7/21</a:t>
             </a:fld>
             <a:endParaRPr lang="zh-CN" altLang="en-US"/>
           </a:p>
@@ -866,7 +866,7 @@
           <a:p>
             <a:fld id="{7C7C9910-BA9F-46D2-B5AD-4ADB7D1CB308}" type="datetimeFigureOut">
               <a:rPr lang="zh-CN" altLang="en-US" smtClean="0"/>
-              <a:t>2025/7/19</a:t>
+              <a:t>2025/7/21</a:t>
             </a:fld>
             <a:endParaRPr lang="zh-CN" altLang="en-US"/>
           </a:p>
@@ -1141,7 +1141,7 @@
           <a:p>
             <a:fld id="{7C7C9910-BA9F-46D2-B5AD-4ADB7D1CB308}" type="datetimeFigureOut">
               <a:rPr lang="zh-CN" altLang="en-US" smtClean="0"/>
-              <a:t>2025/7/19</a:t>
+              <a:t>2025/7/21</a:t>
             </a:fld>
             <a:endParaRPr lang="zh-CN" altLang="en-US"/>
           </a:p>
@@ -1406,7 +1406,7 @@
           <a:p>
             <a:fld id="{7C7C9910-BA9F-46D2-B5AD-4ADB7D1CB308}" type="datetimeFigureOut">
               <a:rPr lang="zh-CN" altLang="en-US" smtClean="0"/>
-              <a:t>2025/7/19</a:t>
+              <a:t>2025/7/21</a:t>
             </a:fld>
             <a:endParaRPr lang="zh-CN" altLang="en-US"/>
           </a:p>
@@ -1818,7 +1818,7 @@
           <a:p>
             <a:fld id="{7C7C9910-BA9F-46D2-B5AD-4ADB7D1CB308}" type="datetimeFigureOut">
               <a:rPr lang="zh-CN" altLang="en-US" smtClean="0"/>
-              <a:t>2025/7/19</a:t>
+              <a:t>2025/7/21</a:t>
             </a:fld>
             <a:endParaRPr lang="zh-CN" altLang="en-US"/>
           </a:p>
@@ -1959,7 +1959,7 @@
           <a:p>
             <a:fld id="{7C7C9910-BA9F-46D2-B5AD-4ADB7D1CB308}" type="datetimeFigureOut">
               <a:rPr lang="zh-CN" altLang="en-US" smtClean="0"/>
-              <a:t>2025/7/19</a:t>
+              <a:t>2025/7/21</a:t>
             </a:fld>
             <a:endParaRPr lang="zh-CN" altLang="en-US"/>
           </a:p>
@@ -2072,7 +2072,7 @@
           <a:p>
             <a:fld id="{7C7C9910-BA9F-46D2-B5AD-4ADB7D1CB308}" type="datetimeFigureOut">
               <a:rPr lang="zh-CN" altLang="en-US" smtClean="0"/>
-              <a:t>2025/7/19</a:t>
+              <a:t>2025/7/21</a:t>
             </a:fld>
             <a:endParaRPr lang="zh-CN" altLang="en-US"/>
           </a:p>
@@ -2383,7 +2383,7 @@
           <a:p>
             <a:fld id="{7C7C9910-BA9F-46D2-B5AD-4ADB7D1CB308}" type="datetimeFigureOut">
               <a:rPr lang="zh-CN" altLang="en-US" smtClean="0"/>
-              <a:t>2025/7/19</a:t>
+              <a:t>2025/7/21</a:t>
             </a:fld>
             <a:endParaRPr lang="zh-CN" altLang="en-US"/>
           </a:p>
@@ -2671,7 +2671,7 @@
           <a:p>
             <a:fld id="{7C7C9910-BA9F-46D2-B5AD-4ADB7D1CB308}" type="datetimeFigureOut">
               <a:rPr lang="zh-CN" altLang="en-US" smtClean="0"/>
-              <a:t>2025/7/19</a:t>
+              <a:t>2025/7/21</a:t>
             </a:fld>
             <a:endParaRPr lang="zh-CN" altLang="en-US"/>
           </a:p>
@@ -2912,7 +2912,7 @@
           <a:p>
             <a:fld id="{7C7C9910-BA9F-46D2-B5AD-4ADB7D1CB308}" type="datetimeFigureOut">
               <a:rPr lang="zh-CN" altLang="en-US" smtClean="0"/>
-              <a:t>2025/7/19</a:t>
+              <a:t>2025/7/21</a:t>
             </a:fld>
             <a:endParaRPr lang="zh-CN" altLang="en-US"/>
           </a:p>
@@ -7247,7 +7247,7 @@
         </p:nvSpPr>
         <p:spPr>
           <a:xfrm>
-            <a:off x="9165083" y="3026445"/>
+            <a:off x="9099775" y="2793348"/>
             <a:ext cx="1423583" cy="646587"/>
           </a:xfrm>
           <a:prstGeom prst="ellipse">
@@ -7306,7 +7306,7 @@
         </p:nvSpPr>
         <p:spPr>
           <a:xfrm>
-            <a:off x="7457529" y="3501958"/>
+            <a:off x="7358727" y="3270480"/>
             <a:ext cx="1659171" cy="552120"/>
           </a:xfrm>
           <a:prstGeom prst="ellipse">
@@ -7542,7 +7542,7 @@
         </p:nvSpPr>
         <p:spPr>
           <a:xfrm>
-            <a:off x="7870865" y="4392504"/>
+            <a:off x="7513530" y="4111727"/>
             <a:ext cx="1504368" cy="646587"/>
           </a:xfrm>
           <a:prstGeom prst="ellipse">
@@ -7601,7 +7601,7 @@
         </p:nvSpPr>
         <p:spPr>
           <a:xfrm>
-            <a:off x="9321136" y="3899998"/>
+            <a:off x="9307397" y="3672184"/>
             <a:ext cx="1504368" cy="646587"/>
           </a:xfrm>
           <a:prstGeom prst="ellipse">
@@ -7636,7 +7636,125 @@
                   <a:schemeClr val="tx1"/>
                 </a:solidFill>
               </a:rPr>
+              <a:t>EventSystem</a:t>
+            </a:r>
+            <a:endParaRPr lang="zh-CN" altLang="en-US" sz="1200" dirty="0">
+              <a:solidFill>
+                <a:schemeClr val="tx1"/>
+              </a:solidFill>
+            </a:endParaRPr>
+          </a:p>
+        </p:txBody>
+      </p:sp>
+      <p:sp>
+        <p:nvSpPr>
+          <p:cNvPr id="2" name="椭圆 1">
+            <a:extLst>
+              <a:ext uri="{FF2B5EF4-FFF2-40B4-BE49-F238E27FC236}">
+                <a16:creationId xmlns:a16="http://schemas.microsoft.com/office/drawing/2014/main" id="{A9BA8CAF-DA0D-FAE7-3606-5F13242F02AD}"/>
+              </a:ext>
+            </a:extLst>
+          </p:cNvPr>
+          <p:cNvSpPr/>
+          <p:nvPr/>
+        </p:nvSpPr>
+        <p:spPr>
+          <a:xfrm>
+            <a:off x="7630124" y="5208841"/>
+            <a:ext cx="1504368" cy="646587"/>
+          </a:xfrm>
+          <a:prstGeom prst="ellipse">
+            <a:avLst/>
+          </a:prstGeom>
+          <a:noFill/>
+        </p:spPr>
+        <p:style>
+          <a:lnRef idx="2">
+            <a:schemeClr val="accent1">
+              <a:shade val="15000"/>
+            </a:schemeClr>
+          </a:lnRef>
+          <a:fillRef idx="1">
+            <a:schemeClr val="accent1"/>
+          </a:fillRef>
+          <a:effectRef idx="0">
+            <a:schemeClr val="accent1"/>
+          </a:effectRef>
+          <a:fontRef idx="minor">
+            <a:schemeClr val="lt1"/>
+          </a:fontRef>
+        </p:style>
+        <p:txBody>
+          <a:bodyPr rtlCol="0" anchor="ctr"/>
+          <a:lstStyle/>
+          <a:p>
+            <a:pPr algn="ctr"/>
+            <a:r>
+              <a:rPr lang="en-US" altLang="zh-CN" sz="1200" dirty="0">
+                <a:solidFill>
+                  <a:schemeClr val="tx1"/>
+                </a:solidFill>
+              </a:rPr>
               <a:t>……</a:t>
+            </a:r>
+            <a:endParaRPr lang="zh-CN" altLang="en-US" sz="1200" dirty="0">
+              <a:solidFill>
+                <a:schemeClr val="tx1"/>
+              </a:solidFill>
+            </a:endParaRPr>
+          </a:p>
+        </p:txBody>
+      </p:sp>
+      <p:sp>
+        <p:nvSpPr>
+          <p:cNvPr id="3" name="椭圆 2">
+            <a:extLst>
+              <a:ext uri="{FF2B5EF4-FFF2-40B4-BE49-F238E27FC236}">
+                <a16:creationId xmlns:a16="http://schemas.microsoft.com/office/drawing/2014/main" id="{A56D00CA-0979-F4AA-7E99-B92BF83C056E}"/>
+              </a:ext>
+            </a:extLst>
+          </p:cNvPr>
+          <p:cNvSpPr/>
+          <p:nvPr/>
+        </p:nvSpPr>
+        <p:spPr>
+          <a:xfrm>
+            <a:off x="9031248" y="4733708"/>
+            <a:ext cx="1557418" cy="646587"/>
+          </a:xfrm>
+          <a:prstGeom prst="ellipse">
+            <a:avLst/>
+          </a:prstGeom>
+          <a:noFill/>
+        </p:spPr>
+        <p:style>
+          <a:lnRef idx="2">
+            <a:schemeClr val="accent1">
+              <a:shade val="15000"/>
+            </a:schemeClr>
+          </a:lnRef>
+          <a:fillRef idx="1">
+            <a:schemeClr val="accent1"/>
+          </a:fillRef>
+          <a:effectRef idx="0">
+            <a:schemeClr val="accent1"/>
+          </a:effectRef>
+          <a:fontRef idx="minor">
+            <a:schemeClr val="lt1"/>
+          </a:fontRef>
+        </p:style>
+        <p:txBody>
+          <a:bodyPr rtlCol="0" anchor="ctr"/>
+          <a:lstStyle/>
+          <a:p>
+            <a:pPr algn="ctr"/>
+            <a:r>
+              <a:rPr lang="en-US" altLang="zh-CN" sz="1200" dirty="0">
+                <a:solidFill>
+                  <a:schemeClr val="tx1"/>
+                </a:solidFill>
+              </a:rPr>
+              <a:t>ConfigSystem</a:t>
             </a:r>
             <a:endParaRPr lang="zh-CN" altLang="en-US" sz="1200" dirty="0">
               <a:solidFill>
